--- a/slide/E조 UML.pptx
+++ b/slide/E조 UML.pptx
@@ -34,8 +34,15 @@
   <p:notesSz cx="6858000" cy="9144000"/>
   <p:embeddedFontLst>
     <p:embeddedFont>
+      <p:font typeface="Y 너만을 비춤체" panose="020B0600000101010101" pitchFamily="34" charset="-127"/>
+      <p:regular r:id="rId24"/>
+      <p:bold r:id="rId25"/>
+      <p:italic r:id="rId26"/>
+      <p:boldItalic r:id="rId27"/>
+    </p:embeddedFont>
+    <p:embeddedFont>
       <p:font typeface="Y SpotlightOTF" panose="020B0600000101010101" pitchFamily="34" charset="-127"/>
-      <p:regular r:id="rId24"/>
+      <p:regular r:id="rId28"/>
     </p:embeddedFont>
   </p:embeddedFontLst>
   <p:defaultTextStyle>
@@ -252,7 +259,7 @@
               <a:pPr>
                 <a:defRPr/>
               </a:pPr>
-              <a:t>2022. 5. 11.</a:t>
+              <a:t>2022. 5. 16.</a:t>
             </a:fld>
             <a:endParaRPr kumimoji="1" lang="ko-KR" altLang="en-US"/>
           </a:p>
@@ -772,7 +779,7 @@
               <a:pPr lvl="0">
                 <a:defRPr/>
               </a:pPr>
-              <a:t>2022. 5. 11.</a:t>
+              <a:t>2022. 5. 16.</a:t>
             </a:fld>
             <a:endParaRPr lang="ko-KR" altLang="en-US"/>
           </a:p>
@@ -964,7 +971,7 @@
               <a:pPr lvl="0">
                 <a:defRPr/>
               </a:pPr>
-              <a:t>2022. 5. 11.</a:t>
+              <a:t>2022. 5. 16.</a:t>
             </a:fld>
             <a:endParaRPr lang="ko-KR" altLang="en-US"/>
           </a:p>
@@ -1166,7 +1173,7 @@
               <a:pPr lvl="0">
                 <a:defRPr/>
               </a:pPr>
-              <a:t>2022. 5. 11.</a:t>
+              <a:t>2022. 5. 16.</a:t>
             </a:fld>
             <a:endParaRPr lang="ko-KR" altLang="en-US"/>
           </a:p>
@@ -1357,7 +1364,7 @@
           <a:p>
             <a:fld id="{CC68F7BF-BDC2-0742-86B4-E11EA3A15C13}" type="datetime1">
               <a:rPr lang="ko-KR" altLang="en-US" smtClean="0"/>
-              <a:t>2022. 5. 11.</a:t>
+              <a:t>2022. 5. 16.</a:t>
             </a:fld>
             <a:endParaRPr lang="ko-KR" altLang="en-US"/>
           </a:p>
@@ -1625,7 +1632,7 @@
               <a:pPr lvl="0">
                 <a:defRPr/>
               </a:pPr>
-              <a:t>2022. 5. 11.</a:t>
+              <a:t>2022. 5. 16.</a:t>
             </a:fld>
             <a:endParaRPr lang="ko-KR" altLang="en-US"/>
           </a:p>
@@ -1888,7 +1895,7 @@
               <a:pPr lvl="0">
                 <a:defRPr/>
               </a:pPr>
-              <a:t>2022. 5. 11.</a:t>
+              <a:t>2022. 5. 16.</a:t>
             </a:fld>
             <a:endParaRPr lang="ko-KR" altLang="en-US"/>
           </a:p>
@@ -2290,7 +2297,7 @@
               <a:pPr lvl="0">
                 <a:defRPr/>
               </a:pPr>
-              <a:t>2022. 5. 11.</a:t>
+              <a:t>2022. 5. 16.</a:t>
             </a:fld>
             <a:endParaRPr lang="ko-KR" altLang="en-US"/>
           </a:p>
@@ -2421,7 +2428,7 @@
               <a:pPr lvl="0">
                 <a:defRPr/>
               </a:pPr>
-              <a:t>2022. 5. 11.</a:t>
+              <a:t>2022. 5. 16.</a:t>
             </a:fld>
             <a:endParaRPr lang="ko-KR" altLang="en-US"/>
           </a:p>
@@ -2527,7 +2534,7 @@
           <a:p>
             <a:fld id="{F7FE99A1-E5ED-AD44-B620-BD5933313466}" type="datetime1">
               <a:rPr lang="ko-KR" altLang="en-US" smtClean="0"/>
-              <a:t>2022. 5. 11.</a:t>
+              <a:t>2022. 5. 16.</a:t>
             </a:fld>
             <a:endParaRPr lang="ko-KR" altLang="en-US"/>
           </a:p>
@@ -2835,7 +2842,7 @@
               <a:pPr lvl="0">
                 <a:defRPr/>
               </a:pPr>
-              <a:t>2022. 5. 11.</a:t>
+              <a:t>2022. 5. 16.</a:t>
             </a:fld>
             <a:endParaRPr lang="ko-KR" altLang="en-US"/>
           </a:p>
@@ -3106,7 +3113,7 @@
               <a:pPr lvl="0">
                 <a:defRPr/>
               </a:pPr>
-              <a:t>2022. 5. 11.</a:t>
+              <a:t>2022. 5. 16.</a:t>
             </a:fld>
             <a:endParaRPr lang="ko-KR" altLang="en-US"/>
           </a:p>
@@ -3343,7 +3350,7 @@
               <a:pPr>
                 <a:defRPr/>
               </a:pPr>
-              <a:t>2022. 5. 11.</a:t>
+              <a:t>2022. 5. 16.</a:t>
             </a:fld>
             <a:endParaRPr lang="ko-KR" altLang="en-US"/>
           </a:p>
@@ -12352,7 +12359,7 @@
           <p:cNvPr id="4" name="그림 3">
             <a:extLst>
               <a:ext uri="{FF2B5EF4-FFF2-40B4-BE49-F238E27FC236}">
-                <a16:creationId xmlns:a16="http://schemas.microsoft.com/office/drawing/2014/main" id="{C4AADCDD-7D22-BB49-AC11-441BE556671A}"/>
+                <a16:creationId xmlns:a16="http://schemas.microsoft.com/office/drawing/2014/main" id="{4C0F3C54-2D4F-1B44-A7DA-CC589B6A3E74}"/>
               </a:ext>
             </a:extLst>
           </p:cNvPr>
@@ -12369,8 +12376,8 @@
         </p:blipFill>
         <p:spPr>
           <a:xfrm>
-            <a:off x="1718287" y="913571"/>
-            <a:ext cx="8755425" cy="5369029"/>
+            <a:off x="1693691" y="935062"/>
+            <a:ext cx="8804618" cy="5326430"/>
           </a:xfrm>
           <a:prstGeom prst="rect">
             <a:avLst/>
@@ -22006,7 +22013,7 @@
           <p:nvPr>
             <p:extLst>
               <p:ext uri="{D42A27DB-BD31-4B8C-83A1-F6EECF244321}">
-                <p14:modId xmlns:p14="http://schemas.microsoft.com/office/powerpoint/2010/main" val="1612516185"/>
+                <p14:modId xmlns:p14="http://schemas.microsoft.com/office/powerpoint/2010/main" val="1256006328"/>
               </p:ext>
             </p:extLst>
           </p:nvPr>
@@ -23731,7 +23738,7 @@
           <p:cNvPr id="3" name="그림 2">
             <a:extLst>
               <a:ext uri="{FF2B5EF4-FFF2-40B4-BE49-F238E27FC236}">
-                <a16:creationId xmlns:a16="http://schemas.microsoft.com/office/drawing/2014/main" id="{661DE93C-4985-1544-8074-1A57F78CFDD5}"/>
+                <a16:creationId xmlns:a16="http://schemas.microsoft.com/office/drawing/2014/main" id="{DC3CC502-EEC3-D347-9E7E-A19341D2909B}"/>
               </a:ext>
             </a:extLst>
           </p:cNvPr>
@@ -23748,8 +23755,8 @@
         </p:blipFill>
         <p:spPr>
           <a:xfrm>
-            <a:off x="265961" y="1871034"/>
-            <a:ext cx="2947502" cy="3115931"/>
+            <a:off x="233807" y="1891780"/>
+            <a:ext cx="2908253" cy="3074439"/>
           </a:xfrm>
           <a:prstGeom prst="rect">
             <a:avLst/>
